--- a/figures/PhotoFigureMaker.pptx
+++ b/figures/PhotoFigureMaker.pptx
@@ -106,6 +106,11 @@
       </a:defRPr>
     </a:lvl9pPr>
   </p:defaultTextStyle>
+  <p:extLst>
+    <p:ext uri="{EFAFB233-063F-42B5-8137-9DF3F51BA10A}">
+      <p15:sldGuideLst xmlns:p15="http://schemas.microsoft.com/office/powerpoint/2012/main"/>
+    </p:ext>
+  </p:extLst>
 </p:presentation>
 </file>
 
@@ -240,7 +245,7 @@
           <a:p>
             <a:fld id="{CC96F725-FCE7-9C40-A52E-88880AAB4727}" type="datetimeFigureOut">
               <a:rPr lang="en-US" smtClean="0"/>
-              <a:t>10/21/18</a:t>
+              <a:t>11/12/18</a:t>
             </a:fld>
             <a:endParaRPr lang="en-US"/>
           </a:p>
@@ -405,7 +410,7 @@
           <a:p>
             <a:fld id="{CC96F725-FCE7-9C40-A52E-88880AAB4727}" type="datetimeFigureOut">
               <a:rPr lang="en-US" smtClean="0"/>
-              <a:t>10/21/18</a:t>
+              <a:t>11/12/18</a:t>
             </a:fld>
             <a:endParaRPr lang="en-US"/>
           </a:p>
@@ -580,7 +585,7 @@
           <a:p>
             <a:fld id="{CC96F725-FCE7-9C40-A52E-88880AAB4727}" type="datetimeFigureOut">
               <a:rPr lang="en-US" smtClean="0"/>
-              <a:t>10/21/18</a:t>
+              <a:t>11/12/18</a:t>
             </a:fld>
             <a:endParaRPr lang="en-US"/>
           </a:p>
@@ -745,7 +750,7 @@
           <a:p>
             <a:fld id="{CC96F725-FCE7-9C40-A52E-88880AAB4727}" type="datetimeFigureOut">
               <a:rPr lang="en-US" smtClean="0"/>
-              <a:t>10/21/18</a:t>
+              <a:t>11/12/18</a:t>
             </a:fld>
             <a:endParaRPr lang="en-US"/>
           </a:p>
@@ -984,7 +989,7 @@
           <a:p>
             <a:fld id="{CC96F725-FCE7-9C40-A52E-88880AAB4727}" type="datetimeFigureOut">
               <a:rPr lang="en-US" smtClean="0"/>
-              <a:t>10/21/18</a:t>
+              <a:t>11/12/18</a:t>
             </a:fld>
             <a:endParaRPr lang="en-US"/>
           </a:p>
@@ -1211,7 +1216,7 @@
           <a:p>
             <a:fld id="{CC96F725-FCE7-9C40-A52E-88880AAB4727}" type="datetimeFigureOut">
               <a:rPr lang="en-US" smtClean="0"/>
-              <a:t>10/21/18</a:t>
+              <a:t>11/12/18</a:t>
             </a:fld>
             <a:endParaRPr lang="en-US"/>
           </a:p>
@@ -1573,7 +1578,7 @@
           <a:p>
             <a:fld id="{CC96F725-FCE7-9C40-A52E-88880AAB4727}" type="datetimeFigureOut">
               <a:rPr lang="en-US" smtClean="0"/>
-              <a:t>10/21/18</a:t>
+              <a:t>11/12/18</a:t>
             </a:fld>
             <a:endParaRPr lang="en-US"/>
           </a:p>
@@ -1686,7 +1691,7 @@
           <a:p>
             <a:fld id="{CC96F725-FCE7-9C40-A52E-88880AAB4727}" type="datetimeFigureOut">
               <a:rPr lang="en-US" smtClean="0"/>
-              <a:t>10/21/18</a:t>
+              <a:t>11/12/18</a:t>
             </a:fld>
             <a:endParaRPr lang="en-US"/>
           </a:p>
@@ -1776,7 +1781,7 @@
           <a:p>
             <a:fld id="{CC96F725-FCE7-9C40-A52E-88880AAB4727}" type="datetimeFigureOut">
               <a:rPr lang="en-US" smtClean="0"/>
-              <a:t>10/21/18</a:t>
+              <a:t>11/12/18</a:t>
             </a:fld>
             <a:endParaRPr lang="en-US"/>
           </a:p>
@@ -2048,7 +2053,7 @@
           <a:p>
             <a:fld id="{CC96F725-FCE7-9C40-A52E-88880AAB4727}" type="datetimeFigureOut">
               <a:rPr lang="en-US" smtClean="0"/>
-              <a:t>10/21/18</a:t>
+              <a:t>11/12/18</a:t>
             </a:fld>
             <a:endParaRPr lang="en-US"/>
           </a:p>
@@ -2300,7 +2305,7 @@
           <a:p>
             <a:fld id="{CC96F725-FCE7-9C40-A52E-88880AAB4727}" type="datetimeFigureOut">
               <a:rPr lang="en-US" smtClean="0"/>
-              <a:t>10/21/18</a:t>
+              <a:t>11/12/18</a:t>
             </a:fld>
             <a:endParaRPr lang="en-US"/>
           </a:p>
@@ -2508,7 +2513,7 @@
           <a:p>
             <a:fld id="{CC96F725-FCE7-9C40-A52E-88880AAB4727}" type="datetimeFigureOut">
               <a:rPr lang="en-US" smtClean="0"/>
-              <a:t>10/21/18</a:t>
+              <a:t>11/12/18</a:t>
             </a:fld>
             <a:endParaRPr lang="en-US"/>
           </a:p>
@@ -3092,7 +3097,7 @@
           <a:noFill/>
         </p:spPr>
         <p:txBody>
-          <a:bodyPr wrap="none" rtlCol="0">
+          <a:bodyPr wrap="square" rtlCol="0">
             <a:spAutoFit/>
           </a:bodyPr>
           <a:lstStyle/>
@@ -3127,7 +3132,7 @@
           <a:noFill/>
         </p:spPr>
         <p:txBody>
-          <a:bodyPr wrap="none" rtlCol="0">
+          <a:bodyPr wrap="square" rtlCol="0">
             <a:spAutoFit/>
           </a:bodyPr>
           <a:lstStyle/>
@@ -3142,6 +3147,58 @@
               </a:rPr>
               <a:t>b</a:t>
             </a:r>
+          </a:p>
+        </p:txBody>
+      </p:sp>
+      <p:sp>
+        <p:nvSpPr>
+          <p:cNvPr id="2" name="Rectangle 1">
+            <a:extLst>
+              <a:ext uri="{FF2B5EF4-FFF2-40B4-BE49-F238E27FC236}">
+                <a16:creationId xmlns:a16="http://schemas.microsoft.com/office/drawing/2014/main" id="{C07D1A43-89DF-0D41-9797-68CEC798A2C6}"/>
+              </a:ext>
+            </a:extLst>
+          </p:cNvPr>
+          <p:cNvSpPr/>
+          <p:nvPr/>
+        </p:nvSpPr>
+        <p:spPr>
+          <a:xfrm>
+            <a:off x="0" y="0"/>
+            <a:ext cx="6877318" cy="6858000"/>
+          </a:xfrm>
+          <a:prstGeom prst="rect">
+            <a:avLst/>
+          </a:prstGeom>
+          <a:noFill/>
+          <a:ln>
+            <a:solidFill>
+              <a:schemeClr val="tx1"/>
+            </a:solidFill>
+          </a:ln>
+        </p:spPr>
+        <p:style>
+          <a:lnRef idx="2">
+            <a:schemeClr val="accent1">
+              <a:shade val="50000"/>
+            </a:schemeClr>
+          </a:lnRef>
+          <a:fillRef idx="1">
+            <a:schemeClr val="accent1"/>
+          </a:fillRef>
+          <a:effectRef idx="0">
+            <a:schemeClr val="accent1"/>
+          </a:effectRef>
+          <a:fontRef idx="minor">
+            <a:schemeClr val="lt1"/>
+          </a:fontRef>
+        </p:style>
+        <p:txBody>
+          <a:bodyPr rtlCol="0" anchor="ctr"/>
+          <a:lstStyle/>
+          <a:p>
+            <a:pPr algn="ctr"/>
+            <a:endParaRPr lang="en-US"/>
           </a:p>
         </p:txBody>
       </p:sp>
@@ -3222,13 +3279,8 @@
             </a:r>
             <a:r>
               <a:rPr lang="en-US" dirty="0"/>
-              <a:t>): other examples would be </a:t>
-            </a:r>
-            <a:r>
-              <a:rPr lang="en-US"/>
-              <a:t>great if you have them.</a:t>
-            </a:r>
-            <a:endParaRPr lang="en-US" dirty="0"/>
+              <a:t>): other examples would be great if you have them.</a:t>
+            </a:r>
           </a:p>
         </p:txBody>
       </p:sp>
